--- a/코드 수정 과정(한이음 중간 발표 자료).pptx
+++ b/코드 수정 과정(한이음 중간 발표 자료).pptx
@@ -16,8 +16,8 @@
     <p:sldId id="298" r:id="rId7"/>
     <p:sldId id="287" r:id="rId8"/>
     <p:sldId id="288" r:id="rId9"/>
-    <p:sldId id="299" r:id="rId10"/>
-    <p:sldId id="300" r:id="rId11"/>
+    <p:sldId id="300" r:id="rId10"/>
+    <p:sldId id="301" r:id="rId11"/>
   </p:sldIdLst>
   <p:sldSz cx="12192000" cy="6858000"/>
   <p:notesSz cx="6858000" cy="9144000"/>
@@ -3979,7 +3979,7 @@
           <p:spPr>
             <a:xfrm>
               <a:off x="859687" y="619688"/>
-              <a:ext cx="3110147" cy="369332"/>
+              <a:ext cx="1189749" cy="369332"/>
             </a:xfrm>
             <a:prstGeom prst="rect">
               <a:avLst/>
@@ -3996,238 +3996,18 @@
                 <a:rPr lang="ko-KR" altLang="en-US" dirty="0">
                   <a:latin typeface="+mn-ea"/>
                 </a:rPr>
-                <a:t>그래프로 출력하기 </a:t>
+                <a:t>이후 계획</a:t>
               </a:r>
-              <a:r>
-                <a:rPr lang="en-US" altLang="ko-KR" dirty="0">
-                  <a:latin typeface="+mn-ea"/>
-                </a:rPr>
-                <a:t>(</a:t>
-              </a:r>
-              <a:r>
-                <a:rPr lang="ko-KR" altLang="en-US" dirty="0">
-                  <a:latin typeface="+mn-ea"/>
-                </a:rPr>
-                <a:t>수정 후</a:t>
-              </a:r>
-              <a:r>
-                <a:rPr lang="en-US" altLang="ko-KR" dirty="0">
-                  <a:latin typeface="+mn-ea"/>
-                </a:rPr>
-                <a:t>)</a:t>
-              </a:r>
-              <a:endParaRPr lang="ko-KR" altLang="en-US" dirty="0">
-                <a:latin typeface="+mn-ea"/>
-              </a:endParaRPr>
             </a:p>
           </p:txBody>
         </p:sp>
       </p:grpSp>
-      <p:pic>
-        <p:nvPicPr>
-          <p:cNvPr id="14" name="그림 13">
+      <p:sp>
+        <p:nvSpPr>
+          <p:cNvPr id="4" name="TextBox 3">
             <a:extLst>
               <a:ext uri="{FF2B5EF4-FFF2-40B4-BE49-F238E27FC236}">
-                <a16:creationId xmlns:a16="http://schemas.microsoft.com/office/drawing/2014/main" id="{BE985F09-DC79-4262-AA29-48D7F2BA7E72}"/>
-              </a:ext>
-            </a:extLst>
-          </p:cNvPr>
-          <p:cNvPicPr>
-            <a:picLocks noChangeAspect="1"/>
-          </p:cNvPicPr>
-          <p:nvPr/>
-        </p:nvPicPr>
-        <p:blipFill>
-          <a:blip r:embed="rId2"/>
-          <a:stretch>
-            <a:fillRect/>
-          </a:stretch>
-        </p:blipFill>
-        <p:spPr>
-          <a:xfrm flipH="1">
-            <a:off x="8922611" y="131801"/>
-            <a:ext cx="2849246" cy="1829663"/>
-          </a:xfrm>
-          <a:prstGeom prst="rect">
-            <a:avLst/>
-          </a:prstGeom>
-          <a:ln>
-            <a:solidFill>
-              <a:schemeClr val="tx1"/>
-            </a:solidFill>
-          </a:ln>
-        </p:spPr>
-      </p:pic>
-      <p:grpSp>
-        <p:nvGrpSpPr>
-          <p:cNvPr id="17" name="그룹 16">
-            <a:extLst>
-              <a:ext uri="{FF2B5EF4-FFF2-40B4-BE49-F238E27FC236}">
-                <a16:creationId xmlns:a16="http://schemas.microsoft.com/office/drawing/2014/main" id="{70FC400E-DEAD-4530-AD41-BFEFB99357CD}"/>
-              </a:ext>
-            </a:extLst>
-          </p:cNvPr>
-          <p:cNvGrpSpPr/>
-          <p:nvPr/>
-        </p:nvGrpSpPr>
-        <p:grpSpPr>
-          <a:xfrm>
-            <a:off x="5241752" y="2109094"/>
-            <a:ext cx="6064807" cy="4272597"/>
-            <a:chOff x="5161069" y="1727682"/>
-            <a:chExt cx="6064807" cy="4272597"/>
-          </a:xfrm>
-        </p:grpSpPr>
-        <p:sp>
-          <p:nvSpPr>
-            <p:cNvPr id="6" name="TextBox 5">
-              <a:extLst>
-                <a:ext uri="{FF2B5EF4-FFF2-40B4-BE49-F238E27FC236}">
-                  <a16:creationId xmlns:a16="http://schemas.microsoft.com/office/drawing/2014/main" id="{521CAEC2-89DB-4849-97B3-31992CDF3142}"/>
-                </a:ext>
-              </a:extLst>
-            </p:cNvPr>
-            <p:cNvSpPr txBox="1"/>
-            <p:nvPr/>
-          </p:nvSpPr>
-          <p:spPr>
-            <a:xfrm>
-              <a:off x="5161069" y="5630947"/>
-              <a:ext cx="4951120" cy="369332"/>
-            </a:xfrm>
-            <a:prstGeom prst="rect">
-              <a:avLst/>
-            </a:prstGeom>
-            <a:noFill/>
-          </p:spPr>
-          <p:txBody>
-            <a:bodyPr wrap="square" rtlCol="0">
-              <a:spAutoFit/>
-            </a:bodyPr>
-            <a:lstStyle/>
-            <a:p>
-              <a:r>
-                <a:rPr lang="ko-KR" altLang="en-US" dirty="0"/>
-                <a:t>파랑 </a:t>
-              </a:r>
-              <a:r>
-                <a:rPr lang="en-US" altLang="ko-KR" dirty="0"/>
-                <a:t>: test    </a:t>
-              </a:r>
-              <a:r>
-                <a:rPr lang="ko-KR" altLang="en-US" dirty="0"/>
-                <a:t>노랑 </a:t>
-              </a:r>
-              <a:r>
-                <a:rPr lang="en-US" altLang="ko-KR" dirty="0"/>
-                <a:t>: predict</a:t>
-              </a:r>
-              <a:endParaRPr lang="ko-KR" altLang="en-US" dirty="0"/>
-            </a:p>
-          </p:txBody>
-        </p:sp>
-        <p:pic>
-          <p:nvPicPr>
-            <p:cNvPr id="20" name="그림 19">
-              <a:extLst>
-                <a:ext uri="{FF2B5EF4-FFF2-40B4-BE49-F238E27FC236}">
-                  <a16:creationId xmlns:a16="http://schemas.microsoft.com/office/drawing/2014/main" id="{7EEF06DF-67F5-4F37-ABBF-1D84D90BEE97}"/>
-                </a:ext>
-              </a:extLst>
-            </p:cNvPr>
-            <p:cNvPicPr>
-              <a:picLocks noChangeAspect="1"/>
-            </p:cNvPicPr>
-            <p:nvPr/>
-          </p:nvPicPr>
-          <p:blipFill>
-            <a:blip r:embed="rId3"/>
-            <a:stretch>
-              <a:fillRect/>
-            </a:stretch>
-          </p:blipFill>
-          <p:spPr>
-            <a:xfrm>
-              <a:off x="5257832" y="1727682"/>
-              <a:ext cx="5968044" cy="3832420"/>
-            </a:xfrm>
-            <a:prstGeom prst="rect">
-              <a:avLst/>
-            </a:prstGeom>
-            <a:ln>
-              <a:solidFill>
-                <a:schemeClr val="tx1"/>
-              </a:solidFill>
-            </a:ln>
-          </p:spPr>
-        </p:pic>
-      </p:grpSp>
-      <p:pic>
-        <p:nvPicPr>
-          <p:cNvPr id="8" name="그림 7">
-            <a:extLst>
-              <a:ext uri="{FF2B5EF4-FFF2-40B4-BE49-F238E27FC236}">
-                <a16:creationId xmlns:a16="http://schemas.microsoft.com/office/drawing/2014/main" id="{31549D47-3DF1-49F5-A56F-DB221C36C41E}"/>
-              </a:ext>
-            </a:extLst>
-          </p:cNvPr>
-          <p:cNvPicPr>
-            <a:picLocks noChangeAspect="1"/>
-          </p:cNvPicPr>
-          <p:nvPr/>
-        </p:nvPicPr>
-        <p:blipFill>
-          <a:blip r:embed="rId4"/>
-          <a:stretch>
-            <a:fillRect/>
-          </a:stretch>
-        </p:blipFill>
-        <p:spPr>
-          <a:xfrm>
-            <a:off x="103094" y="1115762"/>
-            <a:ext cx="4119282" cy="3071706"/>
-          </a:xfrm>
-          <a:prstGeom prst="rect">
-            <a:avLst/>
-          </a:prstGeom>
-        </p:spPr>
-      </p:pic>
-      <p:pic>
-        <p:nvPicPr>
-          <p:cNvPr id="13" name="그림 12">
-            <a:extLst>
-              <a:ext uri="{FF2B5EF4-FFF2-40B4-BE49-F238E27FC236}">
-                <a16:creationId xmlns:a16="http://schemas.microsoft.com/office/drawing/2014/main" id="{7B15A7D4-6B08-4269-B94A-AF1FD6FC5C74}"/>
-              </a:ext>
-            </a:extLst>
-          </p:cNvPr>
-          <p:cNvPicPr>
-            <a:picLocks noChangeAspect="1"/>
-          </p:cNvPicPr>
-          <p:nvPr/>
-        </p:nvPicPr>
-        <p:blipFill>
-          <a:blip r:embed="rId5"/>
-          <a:stretch>
-            <a:fillRect/>
-          </a:stretch>
-        </p:blipFill>
-        <p:spPr>
-          <a:xfrm>
-            <a:off x="103094" y="4245393"/>
-            <a:ext cx="3438525" cy="2381250"/>
-          </a:xfrm>
-          <a:prstGeom prst="rect">
-            <a:avLst/>
-          </a:prstGeom>
-        </p:spPr>
-      </p:pic>
-      <p:sp>
-        <p:nvSpPr>
-          <p:cNvPr id="21" name="TextBox 20">
-            <a:extLst>
-              <a:ext uri="{FF2B5EF4-FFF2-40B4-BE49-F238E27FC236}">
-                <a16:creationId xmlns:a16="http://schemas.microsoft.com/office/drawing/2014/main" id="{D75DB477-AB77-40A2-9A1E-6B6F89B99624}"/>
+                <a16:creationId xmlns:a16="http://schemas.microsoft.com/office/drawing/2014/main" id="{E6CAC2C1-2507-459B-948A-9045468B2A70}"/>
               </a:ext>
             </a:extLst>
           </p:cNvPr>
@@ -4236,18 +4016,13 @@
         </p:nvSpPr>
         <p:spPr>
           <a:xfrm>
-            <a:off x="2044665" y="2109094"/>
-            <a:ext cx="1978959" cy="646331"/>
+            <a:off x="420143" y="1216454"/>
+            <a:ext cx="11304494" cy="5179688"/>
           </a:xfrm>
           <a:prstGeom prst="rect">
             <a:avLst/>
           </a:prstGeom>
-          <a:solidFill>
-            <a:schemeClr val="accent5">
-              <a:lumMod val="20000"/>
-              <a:lumOff val="80000"/>
-            </a:schemeClr>
-          </a:solidFill>
+          <a:noFill/>
         </p:spPr>
         <p:txBody>
           <a:bodyPr wrap="square" rtlCol="0">
@@ -4255,87 +4030,231 @@
           </a:bodyPr>
           <a:lstStyle/>
           <a:p>
-            <a:pPr algn="ctr"/>
-            <a:r>
-              <a:rPr lang="ko-KR" altLang="en-US" dirty="0" err="1"/>
-              <a:t>전처리</a:t>
-            </a:r>
-            <a:r>
-              <a:rPr lang="ko-KR" altLang="en-US" dirty="0"/>
-              <a:t> 과정에서 순서 변경</a:t>
-            </a:r>
-            <a:endParaRPr lang="en-US" altLang="ko-KR" dirty="0"/>
-          </a:p>
-        </p:txBody>
-      </p:sp>
-      <p:sp>
-        <p:nvSpPr>
-          <p:cNvPr id="18" name="TextBox 17">
-            <a:extLst>
-              <a:ext uri="{FF2B5EF4-FFF2-40B4-BE49-F238E27FC236}">
-                <a16:creationId xmlns:a16="http://schemas.microsoft.com/office/drawing/2014/main" id="{5B593CD1-7945-45B3-8D97-F04404F62AF1}"/>
-              </a:ext>
-            </a:extLst>
-          </p:cNvPr>
-          <p:cNvSpPr txBox="1"/>
-          <p:nvPr/>
-        </p:nvSpPr>
-        <p:spPr>
-          <a:xfrm>
-            <a:off x="7234517" y="133254"/>
-            <a:ext cx="1837765" cy="369332"/>
-          </a:xfrm>
-          <a:prstGeom prst="rect">
-            <a:avLst/>
-          </a:prstGeom>
-          <a:noFill/>
-        </p:spPr>
-        <p:txBody>
-          <a:bodyPr wrap="square" rtlCol="0">
-            <a:spAutoFit/>
-          </a:bodyPr>
-          <a:lstStyle/>
-          <a:p>
-            <a:r>
-              <a:rPr lang="ko-KR" altLang="en-US" dirty="0"/>
-              <a:t>이전 그래프 ▷</a:t>
-            </a:r>
-          </a:p>
-        </p:txBody>
-      </p:sp>
-      <p:pic>
-        <p:nvPicPr>
-          <p:cNvPr id="15" name="그림 14">
-            <a:extLst>
-              <a:ext uri="{FF2B5EF4-FFF2-40B4-BE49-F238E27FC236}">
-                <a16:creationId xmlns:a16="http://schemas.microsoft.com/office/drawing/2014/main" id="{7AC19366-E95B-4953-B796-6E2DD438C8A8}"/>
-              </a:ext>
-            </a:extLst>
-          </p:cNvPr>
-          <p:cNvPicPr>
-            <a:picLocks noChangeAspect="1"/>
-          </p:cNvPicPr>
-          <p:nvPr/>
-        </p:nvPicPr>
-        <p:blipFill rotWithShape="1">
-          <a:blip r:embed="rId6"/>
-          <a:srcRect l="-3" t="30076" r="51756" b="64099"/>
-          <a:stretch/>
-        </p:blipFill>
-        <p:spPr>
-          <a:xfrm>
-            <a:off x="6768353" y="6381691"/>
-            <a:ext cx="2913529" cy="286870"/>
-          </a:xfrm>
-          <a:prstGeom prst="rect">
-            <a:avLst/>
-          </a:prstGeom>
-        </p:spPr>
-      </p:pic>
+            <a:pPr marL="342900" indent="-342900">
+              <a:lnSpc>
+                <a:spcPct val="150000"/>
+              </a:lnSpc>
+              <a:buAutoNum type="arabicPeriod"/>
+            </a:pPr>
+            <a:r>
+              <a:rPr lang="ko-KR" altLang="en-US" sz="2800" dirty="0"/>
+              <a:t>다른 속성 고려</a:t>
+            </a:r>
+            <a:r>
+              <a:rPr lang="en-US" altLang="ko-KR" sz="2800" dirty="0"/>
+              <a:t>(</a:t>
+            </a:r>
+            <a:r>
+              <a:rPr lang="ko-KR" altLang="en-US" sz="2800" dirty="0"/>
+              <a:t>시</a:t>
+            </a:r>
+            <a:r>
+              <a:rPr lang="en-US" altLang="ko-KR" sz="2800" dirty="0"/>
+              <a:t>,</a:t>
+            </a:r>
+            <a:r>
+              <a:rPr lang="ko-KR" altLang="en-US" sz="2800" dirty="0"/>
+              <a:t>고</a:t>
+            </a:r>
+            <a:r>
+              <a:rPr lang="en-US" altLang="ko-KR" sz="2800" dirty="0"/>
+              <a:t>,</a:t>
+            </a:r>
+            <a:r>
+              <a:rPr lang="ko-KR" altLang="en-US" sz="2800" dirty="0"/>
+              <a:t>저</a:t>
+            </a:r>
+            <a:r>
+              <a:rPr lang="en-US" altLang="ko-KR" sz="2800" dirty="0"/>
+              <a:t>,</a:t>
+            </a:r>
+            <a:r>
+              <a:rPr lang="ko-KR" altLang="en-US" sz="2800" dirty="0"/>
+              <a:t>종가 제외 다른 속성</a:t>
+            </a:r>
+            <a:r>
+              <a:rPr lang="en-US" altLang="ko-KR" sz="2800" dirty="0"/>
+              <a:t>)</a:t>
+            </a:r>
+            <a:r>
+              <a:rPr lang="ko-KR" altLang="en-US" sz="2800" dirty="0"/>
+              <a:t>해보기</a:t>
+            </a:r>
+            <a:endParaRPr lang="en-US" altLang="ko-KR" sz="2800" dirty="0"/>
+          </a:p>
+          <a:p>
+            <a:pPr marL="342900" indent="-342900">
+              <a:lnSpc>
+                <a:spcPct val="150000"/>
+              </a:lnSpc>
+              <a:buAutoNum type="arabicPeriod"/>
+            </a:pPr>
+            <a:r>
+              <a:rPr lang="en-US" altLang="ko-KR" sz="2800" dirty="0"/>
+              <a:t>7</a:t>
+            </a:r>
+            <a:r>
+              <a:rPr lang="ko-KR" altLang="en-US" sz="2800" dirty="0"/>
+              <a:t>일 </a:t>
+            </a:r>
+            <a:r>
+              <a:rPr lang="en-US" altLang="ko-KR" sz="2800" dirty="0"/>
+              <a:t>-&gt; 5</a:t>
+            </a:r>
+            <a:r>
+              <a:rPr lang="ko-KR" altLang="en-US" sz="2800" dirty="0"/>
+              <a:t>일</a:t>
+            </a:r>
+            <a:r>
+              <a:rPr lang="en-US" altLang="ko-KR" sz="2800" dirty="0"/>
+              <a:t>/5</a:t>
+            </a:r>
+            <a:r>
+              <a:rPr lang="ko-KR" altLang="en-US" sz="2800" dirty="0"/>
+              <a:t>의 배수 </a:t>
+            </a:r>
+            <a:r>
+              <a:rPr lang="en-US" altLang="ko-KR" sz="2800" dirty="0"/>
+              <a:t>-&gt; (</a:t>
+            </a:r>
+            <a:r>
+              <a:rPr lang="ko-KR" altLang="en-US" sz="2800" dirty="0"/>
+              <a:t>시간 된다면</a:t>
+            </a:r>
+            <a:r>
+              <a:rPr lang="en-US" altLang="ko-KR" sz="2800" dirty="0"/>
+              <a:t>) </a:t>
+            </a:r>
+            <a:r>
+              <a:rPr lang="ko-KR" altLang="en-US" sz="2800" dirty="0"/>
+              <a:t>휴일</a:t>
+            </a:r>
+            <a:r>
+              <a:rPr lang="en-US" altLang="ko-KR" sz="2800" dirty="0"/>
+              <a:t>/</a:t>
+            </a:r>
+            <a:r>
+              <a:rPr lang="ko-KR" altLang="en-US" sz="2800" dirty="0"/>
+              <a:t>금요일 고려하여</a:t>
+            </a:r>
+            <a:endParaRPr lang="en-US" altLang="ko-KR" sz="2800" dirty="0"/>
+          </a:p>
+          <a:p>
+            <a:pPr marL="342900" indent="-342900">
+              <a:lnSpc>
+                <a:spcPct val="150000"/>
+              </a:lnSpc>
+              <a:buAutoNum type="arabicPeriod"/>
+            </a:pPr>
+            <a:r>
+              <a:rPr lang="ko-KR" altLang="en-US" sz="2800" dirty="0"/>
+              <a:t>모델 층 수정 고려</a:t>
+            </a:r>
+            <a:endParaRPr lang="en-US" altLang="ko-KR" sz="2800" dirty="0"/>
+          </a:p>
+          <a:p>
+            <a:pPr marL="342900" indent="-342900">
+              <a:lnSpc>
+                <a:spcPct val="150000"/>
+              </a:lnSpc>
+              <a:buAutoNum type="arabicPeriod"/>
+            </a:pPr>
+            <a:r>
+              <a:rPr lang="ko-KR" altLang="en-US" sz="2800" dirty="0"/>
+              <a:t>다음 날의 종가 </a:t>
+            </a:r>
+            <a:r>
+              <a:rPr lang="en-US" altLang="ko-KR" sz="2800" dirty="0"/>
+              <a:t>-&gt; </a:t>
+            </a:r>
+            <a:r>
+              <a:rPr lang="ko-KR" altLang="en-US" sz="2800" dirty="0"/>
+              <a:t>열흘 후의 종가 </a:t>
+            </a:r>
+            <a:r>
+              <a:rPr lang="en-US" altLang="ko-KR" sz="2800" dirty="0"/>
+              <a:t>(</a:t>
+            </a:r>
+            <a:r>
+              <a:rPr lang="ko-KR" altLang="en-US" sz="2800" dirty="0"/>
+              <a:t>모델이 제대로 예측하는지 확인해보기 위해</a:t>
+            </a:r>
+            <a:r>
+              <a:rPr lang="en-US" altLang="ko-KR" sz="2800" dirty="0"/>
+              <a:t>)</a:t>
+            </a:r>
+          </a:p>
+          <a:p>
+            <a:pPr marL="342900" indent="-342900">
+              <a:lnSpc>
+                <a:spcPct val="150000"/>
+              </a:lnSpc>
+              <a:buAutoNum type="arabicPeriod"/>
+            </a:pPr>
+            <a:r>
+              <a:rPr lang="ko-KR" altLang="en-US" sz="2800" dirty="0"/>
+              <a:t>실제 주가와의 차이 </a:t>
+            </a:r>
+            <a:r>
+              <a:rPr lang="en-US" altLang="ko-KR" sz="2800" dirty="0"/>
+              <a:t>(</a:t>
+            </a:r>
+            <a:r>
+              <a:rPr lang="ko-KR" altLang="en-US" sz="2800" dirty="0"/>
+              <a:t>그래프 말고 수치로</a:t>
+            </a:r>
+            <a:r>
+              <a:rPr lang="en-US" altLang="ko-KR" sz="2800" dirty="0"/>
+              <a:t>) </a:t>
+            </a:r>
+            <a:r>
+              <a:rPr lang="ko-KR" altLang="en-US" sz="2800" dirty="0"/>
+              <a:t>확인</a:t>
+            </a:r>
+            <a:endParaRPr lang="en-US" altLang="ko-KR" sz="2800" dirty="0"/>
+          </a:p>
+          <a:p>
+            <a:pPr marL="342900" indent="-342900">
+              <a:lnSpc>
+                <a:spcPct val="150000"/>
+              </a:lnSpc>
+              <a:buAutoNum type="arabicPeriod"/>
+            </a:pPr>
+            <a:r>
+              <a:rPr lang="ko-KR" altLang="en-US" sz="2800" dirty="0"/>
+              <a:t>업종별로 비교</a:t>
+            </a:r>
+            <a:r>
+              <a:rPr lang="en-US" altLang="ko-KR" sz="2800" dirty="0"/>
+              <a:t>(</a:t>
+            </a:r>
+            <a:r>
+              <a:rPr lang="ko-KR" altLang="en-US" sz="2800" dirty="0"/>
+              <a:t>종목별로 대표 주식 </a:t>
+            </a:r>
+            <a:r>
+              <a:rPr lang="en-US" altLang="ko-KR" sz="2800" dirty="0"/>
+              <a:t>5</a:t>
+            </a:r>
+            <a:r>
+              <a:rPr lang="ko-KR" altLang="en-US" sz="2800" dirty="0"/>
+              <a:t>개</a:t>
+            </a:r>
+            <a:r>
+              <a:rPr lang="en-US" altLang="ko-KR" sz="2800" dirty="0"/>
+              <a:t>) -&gt; </a:t>
+            </a:r>
+            <a:r>
+              <a:rPr lang="ko-KR" altLang="en-US" sz="2800" dirty="0"/>
+              <a:t>가장 좋은 결과 나온 업종과 안 좋은 결과 나온 업종 선정</a:t>
+            </a:r>
+          </a:p>
+        </p:txBody>
+      </p:sp>
     </p:spTree>
     <p:extLst>
       <p:ext uri="{BB962C8B-B14F-4D97-AF65-F5344CB8AC3E}">
-        <p14:creationId xmlns:p14="http://schemas.microsoft.com/office/powerpoint/2010/main" val="2959944536"/>
+        <p14:creationId xmlns:p14="http://schemas.microsoft.com/office/powerpoint/2010/main" val="1961251168"/>
       </p:ext>
     </p:extLst>
   </p:cSld>
@@ -6116,6 +6035,35 @@
           </a:p>
         </p:txBody>
       </p:sp>
+      <p:pic>
+        <p:nvPicPr>
+          <p:cNvPr id="16" name="그림 15">
+            <a:extLst>
+              <a:ext uri="{FF2B5EF4-FFF2-40B4-BE49-F238E27FC236}">
+                <a16:creationId xmlns:a16="http://schemas.microsoft.com/office/drawing/2014/main" id="{79FF595A-8555-46E3-A624-19AAC32AF2E6}"/>
+              </a:ext>
+            </a:extLst>
+          </p:cNvPr>
+          <p:cNvPicPr>
+            <a:picLocks noChangeAspect="1"/>
+          </p:cNvPicPr>
+          <p:nvPr/>
+        </p:nvPicPr>
+        <p:blipFill rotWithShape="1">
+          <a:blip r:embed="rId6"/>
+          <a:srcRect r="81018"/>
+          <a:stretch/>
+        </p:blipFill>
+        <p:spPr>
+          <a:xfrm>
+            <a:off x="5048494" y="838763"/>
+            <a:ext cx="1259463" cy="2342623"/>
+          </a:xfrm>
+          <a:prstGeom prst="rect">
+            <a:avLst/>
+          </a:prstGeom>
+        </p:spPr>
+      </p:pic>
     </p:spTree>
     <p:extLst>
       <p:ext uri="{BB962C8B-B14F-4D97-AF65-F5344CB8AC3E}">
@@ -6308,6 +6256,33 @@
                                   </p:childTnLst>
                                 </p:cTn>
                               </p:par>
+                              <p:par>
+                                <p:cTn id="19" presetID="1" presetClass="entr" presetSubtype="0" fill="hold" nodeType="withEffect">
+                                  <p:stCondLst>
+                                    <p:cond delay="0"/>
+                                  </p:stCondLst>
+                                  <p:childTnLst>
+                                    <p:set>
+                                      <p:cBhvr>
+                                        <p:cTn id="20" dur="1" fill="hold">
+                                          <p:stCondLst>
+                                            <p:cond delay="0"/>
+                                          </p:stCondLst>
+                                        </p:cTn>
+                                        <p:tgtEl>
+                                          <p:spTgt spid="16"/>
+                                        </p:tgtEl>
+                                        <p:attrNameLst>
+                                          <p:attrName>style.visibility</p:attrName>
+                                        </p:attrNameLst>
+                                      </p:cBhvr>
+                                      <p:to>
+                                        <p:strVal val="visible"/>
+                                      </p:to>
+                                    </p:set>
+                                  </p:childTnLst>
+                                </p:cTn>
+                              </p:par>
                             </p:childTnLst>
                           </p:cTn>
                         </p:par>
@@ -6315,26 +6290,26 @@
                     </p:cTn>
                   </p:par>
                   <p:par>
-                    <p:cTn id="19" fill="hold">
+                    <p:cTn id="21" fill="hold">
                       <p:stCondLst>
                         <p:cond delay="indefinite"/>
                       </p:stCondLst>
                       <p:childTnLst>
                         <p:par>
-                          <p:cTn id="20" fill="hold">
+                          <p:cTn id="22" fill="hold">
                             <p:stCondLst>
                               <p:cond delay="0"/>
                             </p:stCondLst>
                             <p:childTnLst>
                               <p:par>
-                                <p:cTn id="21" presetID="1" presetClass="entr" presetSubtype="0" fill="hold" nodeType="clickEffect">
+                                <p:cTn id="23" presetID="1" presetClass="entr" presetSubtype="0" fill="hold" nodeType="clickEffect">
                                   <p:stCondLst>
                                     <p:cond delay="0"/>
                                   </p:stCondLst>
                                   <p:childTnLst>
                                     <p:set>
                                       <p:cBhvr>
-                                        <p:cTn id="22" dur="1" fill="hold">
+                                        <p:cTn id="24" dur="1" fill="hold">
                                           <p:stCondLst>
                                             <p:cond delay="0"/>
                                           </p:stCondLst>
@@ -6354,14 +6329,14 @@
                                 </p:cTn>
                               </p:par>
                               <p:par>
-                                <p:cTn id="23" presetID="1" presetClass="entr" presetSubtype="0" fill="hold" grpId="0" nodeType="withEffect">
+                                <p:cTn id="25" presetID="1" presetClass="entr" presetSubtype="0" fill="hold" grpId="0" nodeType="withEffect">
                                   <p:stCondLst>
                                     <p:cond delay="0"/>
                                   </p:stCondLst>
                                   <p:childTnLst>
                                     <p:set>
                                       <p:cBhvr>
-                                        <p:cTn id="24" dur="1" fill="hold">
+                                        <p:cTn id="26" dur="1" fill="hold">
                                           <p:stCondLst>
                                             <p:cond delay="0"/>
                                           </p:stCondLst>
@@ -9819,6 +9794,72 @@
           </a:fontRef>
         </p:style>
       </p:cxnSp>
+      <p:sp>
+        <p:nvSpPr>
+          <p:cNvPr id="14" name="TextBox 13">
+            <a:extLst>
+              <a:ext uri="{FF2B5EF4-FFF2-40B4-BE49-F238E27FC236}">
+                <a16:creationId xmlns:a16="http://schemas.microsoft.com/office/drawing/2014/main" id="{801888EF-B553-4F79-9950-C5B9C7732D12}"/>
+              </a:ext>
+            </a:extLst>
+          </p:cNvPr>
+          <p:cNvSpPr txBox="1"/>
+          <p:nvPr/>
+        </p:nvSpPr>
+        <p:spPr>
+          <a:xfrm>
+            <a:off x="6358639" y="1133783"/>
+            <a:ext cx="4103173" cy="646331"/>
+          </a:xfrm>
+          <a:prstGeom prst="rect">
+            <a:avLst/>
+          </a:prstGeom>
+          <a:solidFill>
+            <a:schemeClr val="accent5">
+              <a:lumMod val="20000"/>
+              <a:lumOff val="80000"/>
+            </a:schemeClr>
+          </a:solidFill>
+        </p:spPr>
+        <p:txBody>
+          <a:bodyPr wrap="square" rtlCol="0">
+            <a:spAutoFit/>
+          </a:bodyPr>
+          <a:lstStyle/>
+          <a:p>
+            <a:pPr algn="ctr"/>
+            <a:r>
+              <a:rPr lang="en-US" altLang="ko-KR" dirty="0" err="1"/>
+              <a:t>y_test</a:t>
+            </a:r>
+            <a:r>
+              <a:rPr lang="en-US" altLang="ko-KR" dirty="0"/>
+              <a:t> : </a:t>
+            </a:r>
+            <a:r>
+              <a:rPr lang="ko-KR" altLang="en-US" dirty="0"/>
+              <a:t>실제 종가</a:t>
+            </a:r>
+            <a:endParaRPr lang="en-US" altLang="ko-KR" dirty="0"/>
+          </a:p>
+          <a:p>
+            <a:pPr algn="ctr"/>
+            <a:r>
+              <a:rPr lang="en-US" altLang="ko-KR" dirty="0" err="1"/>
+              <a:t>y_predict</a:t>
+            </a:r>
+            <a:r>
+              <a:rPr lang="en-US" altLang="ko-KR" dirty="0"/>
+              <a:t> : model</a:t>
+            </a:r>
+            <a:r>
+              <a:rPr lang="ko-KR" altLang="en-US" dirty="0"/>
+              <a:t>로 예측한 종가</a:t>
+            </a:r>
+            <a:endParaRPr lang="en-US" altLang="ko-KR" dirty="0"/>
+          </a:p>
+        </p:txBody>
+      </p:sp>
     </p:spTree>
     <p:extLst>
       <p:ext uri="{BB962C8B-B14F-4D97-AF65-F5344CB8AC3E}">
@@ -10003,7 +10044,7 @@
           <p:spPr>
             <a:xfrm>
               <a:off x="859687" y="619688"/>
-              <a:ext cx="3110147" cy="369332"/>
+              <a:ext cx="2113079" cy="369332"/>
             </a:xfrm>
             <a:prstGeom prst="rect">
               <a:avLst/>
@@ -10020,39 +10061,18 @@
                 <a:rPr lang="ko-KR" altLang="en-US" dirty="0">
                   <a:latin typeface="+mn-ea"/>
                 </a:rPr>
-                <a:t>그래프로 출력하기 </a:t>
+                <a:t>그래프로 출력하기</a:t>
               </a:r>
-              <a:r>
-                <a:rPr lang="en-US" altLang="ko-KR" dirty="0">
-                  <a:latin typeface="+mn-ea"/>
-                </a:rPr>
-                <a:t>(</a:t>
-              </a:r>
-              <a:r>
-                <a:rPr lang="ko-KR" altLang="en-US" dirty="0">
-                  <a:latin typeface="+mn-ea"/>
-                </a:rPr>
-                <a:t>수정 전</a:t>
-              </a:r>
-              <a:r>
-                <a:rPr lang="en-US" altLang="ko-KR" dirty="0">
-                  <a:latin typeface="+mn-ea"/>
-                </a:rPr>
-                <a:t>)</a:t>
-              </a:r>
-              <a:endParaRPr lang="ko-KR" altLang="en-US" dirty="0">
-                <a:latin typeface="+mn-ea"/>
-              </a:endParaRPr>
             </a:p>
           </p:txBody>
         </p:sp>
       </p:grpSp>
       <p:pic>
         <p:nvPicPr>
-          <p:cNvPr id="14" name="그림 13">
+          <p:cNvPr id="8" name="그림 7">
             <a:extLst>
               <a:ext uri="{FF2B5EF4-FFF2-40B4-BE49-F238E27FC236}">
-                <a16:creationId xmlns:a16="http://schemas.microsoft.com/office/drawing/2014/main" id="{BE985F09-DC79-4262-AA29-48D7F2BA7E72}"/>
+                <a16:creationId xmlns:a16="http://schemas.microsoft.com/office/drawing/2014/main" id="{31549D47-3DF1-49F5-A56F-DB221C36C41E}"/>
               </a:ext>
             </a:extLst>
           </p:cNvPr>
@@ -10069,25 +10089,50 @@
         </p:blipFill>
         <p:spPr>
           <a:xfrm>
-            <a:off x="6807388" y="1672481"/>
-            <a:ext cx="5182781" cy="3328158"/>
+            <a:off x="103094" y="1115762"/>
+            <a:ext cx="4119282" cy="3071706"/>
           </a:xfrm>
           <a:prstGeom prst="rect">
             <a:avLst/>
           </a:prstGeom>
-          <a:ln>
-            <a:solidFill>
-              <a:schemeClr val="tx1"/>
-            </a:solidFill>
-          </a:ln>
         </p:spPr>
       </p:pic>
-      <p:sp>
-        <p:nvSpPr>
-          <p:cNvPr id="6" name="TextBox 5">
+      <p:pic>
+        <p:nvPicPr>
+          <p:cNvPr id="13" name="그림 12">
             <a:extLst>
               <a:ext uri="{FF2B5EF4-FFF2-40B4-BE49-F238E27FC236}">
-                <a16:creationId xmlns:a16="http://schemas.microsoft.com/office/drawing/2014/main" id="{521CAEC2-89DB-4849-97B3-31992CDF3142}"/>
+                <a16:creationId xmlns:a16="http://schemas.microsoft.com/office/drawing/2014/main" id="{7B15A7D4-6B08-4269-B94A-AF1FD6FC5C74}"/>
+              </a:ext>
+            </a:extLst>
+          </p:cNvPr>
+          <p:cNvPicPr>
+            <a:picLocks noChangeAspect="1"/>
+          </p:cNvPicPr>
+          <p:nvPr/>
+        </p:nvPicPr>
+        <p:blipFill>
+          <a:blip r:embed="rId3"/>
+          <a:stretch>
+            <a:fillRect/>
+          </a:stretch>
+        </p:blipFill>
+        <p:spPr>
+          <a:xfrm>
+            <a:off x="103094" y="4245393"/>
+            <a:ext cx="3438525" cy="2381250"/>
+          </a:xfrm>
+          <a:prstGeom prst="rect">
+            <a:avLst/>
+          </a:prstGeom>
+        </p:spPr>
+      </p:pic>
+      <p:sp>
+        <p:nvSpPr>
+          <p:cNvPr id="21" name="TextBox 20">
+            <a:extLst>
+              <a:ext uri="{FF2B5EF4-FFF2-40B4-BE49-F238E27FC236}">
+                <a16:creationId xmlns:a16="http://schemas.microsoft.com/office/drawing/2014/main" id="{D75DB477-AB77-40A2-9A1E-6B6F89B99624}"/>
               </a:ext>
             </a:extLst>
           </p:cNvPr>
@@ -10096,362 +10141,8 @@
         </p:nvSpPr>
         <p:spPr>
           <a:xfrm>
-            <a:off x="6719635" y="5039165"/>
-            <a:ext cx="4698704" cy="646331"/>
-          </a:xfrm>
-          <a:prstGeom prst="rect">
-            <a:avLst/>
-          </a:prstGeom>
-          <a:noFill/>
-        </p:spPr>
-        <p:txBody>
-          <a:bodyPr wrap="square" rtlCol="0">
-            <a:spAutoFit/>
-          </a:bodyPr>
-          <a:lstStyle/>
-          <a:p>
-            <a:r>
-              <a:rPr lang="ko-KR" altLang="en-US" dirty="0"/>
-              <a:t>파랑 </a:t>
-            </a:r>
-            <a:r>
-              <a:rPr lang="en-US" altLang="ko-KR" dirty="0"/>
-              <a:t>: test</a:t>
-            </a:r>
-          </a:p>
-          <a:p>
-            <a:r>
-              <a:rPr lang="ko-KR" altLang="en-US" dirty="0"/>
-              <a:t>노랑 </a:t>
-            </a:r>
-            <a:r>
-              <a:rPr lang="en-US" altLang="ko-KR" dirty="0"/>
-              <a:t>: predict</a:t>
-            </a:r>
-            <a:endParaRPr lang="ko-KR" altLang="en-US" dirty="0"/>
-          </a:p>
-        </p:txBody>
-      </p:sp>
-      <p:grpSp>
-        <p:nvGrpSpPr>
-          <p:cNvPr id="7" name="그룹 6">
-            <a:extLst>
-              <a:ext uri="{FF2B5EF4-FFF2-40B4-BE49-F238E27FC236}">
-                <a16:creationId xmlns:a16="http://schemas.microsoft.com/office/drawing/2014/main" id="{95B99041-57CF-4CC1-AE28-4B6C59384575}"/>
-              </a:ext>
-            </a:extLst>
-          </p:cNvPr>
-          <p:cNvGrpSpPr/>
-          <p:nvPr/>
-        </p:nvGrpSpPr>
-        <p:grpSpPr>
-          <a:xfrm>
-            <a:off x="420143" y="2160670"/>
-            <a:ext cx="6051569" cy="3524826"/>
-            <a:chOff x="392003" y="1165870"/>
-            <a:chExt cx="6051569" cy="3524826"/>
-          </a:xfrm>
-        </p:grpSpPr>
-        <p:pic>
-          <p:nvPicPr>
-            <p:cNvPr id="12" name="그림 11">
-              <a:extLst>
-                <a:ext uri="{FF2B5EF4-FFF2-40B4-BE49-F238E27FC236}">
-                  <a16:creationId xmlns:a16="http://schemas.microsoft.com/office/drawing/2014/main" id="{152C62E2-0A36-41D7-A72A-CEF6C917888F}"/>
-                </a:ext>
-              </a:extLst>
-            </p:cNvPr>
-            <p:cNvPicPr>
-              <a:picLocks noChangeAspect="1"/>
-            </p:cNvPicPr>
-            <p:nvPr/>
-          </p:nvPicPr>
-          <p:blipFill rotWithShape="1">
-            <a:blip r:embed="rId3"/>
-            <a:srcRect t="60955"/>
-            <a:stretch/>
-          </p:blipFill>
-          <p:spPr>
-            <a:xfrm>
-              <a:off x="392003" y="2767942"/>
-              <a:ext cx="6038850" cy="1922754"/>
-            </a:xfrm>
-            <a:prstGeom prst="rect">
-              <a:avLst/>
-            </a:prstGeom>
-          </p:spPr>
-        </p:pic>
-        <p:sp>
-          <p:nvSpPr>
-            <p:cNvPr id="4" name="TextBox 3">
-              <a:extLst>
-                <a:ext uri="{FF2B5EF4-FFF2-40B4-BE49-F238E27FC236}">
-                  <a16:creationId xmlns:a16="http://schemas.microsoft.com/office/drawing/2014/main" id="{60495E83-77C0-4644-A6C2-61C0542629C6}"/>
-                </a:ext>
-              </a:extLst>
-            </p:cNvPr>
-            <p:cNvSpPr txBox="1"/>
-            <p:nvPr/>
-          </p:nvSpPr>
-          <p:spPr>
-            <a:xfrm>
-              <a:off x="3588374" y="3544653"/>
-              <a:ext cx="2855198" cy="369332"/>
-            </a:xfrm>
-            <a:prstGeom prst="rect">
-              <a:avLst/>
-            </a:prstGeom>
-            <a:noFill/>
-          </p:spPr>
-          <p:txBody>
-            <a:bodyPr wrap="square" rtlCol="0">
-              <a:spAutoFit/>
-            </a:bodyPr>
-            <a:lstStyle/>
-            <a:p>
-              <a:r>
-                <a:rPr lang="ko-KR" altLang="en-US" dirty="0">
-                  <a:solidFill>
-                    <a:schemeClr val="bg1"/>
-                  </a:solidFill>
-                </a:rPr>
-                <a:t>시간 때문에 </a:t>
-              </a:r>
-              <a:r>
-                <a:rPr lang="en-US" altLang="ko-KR" dirty="0">
-                  <a:solidFill>
-                    <a:schemeClr val="bg1"/>
-                  </a:solidFill>
-                </a:rPr>
-                <a:t>inverse</a:t>
-              </a:r>
-              <a:endParaRPr lang="ko-KR" altLang="en-US" dirty="0">
-                <a:solidFill>
-                  <a:schemeClr val="bg1"/>
-                </a:solidFill>
-              </a:endParaRPr>
-            </a:p>
-          </p:txBody>
-        </p:sp>
-        <p:sp>
-          <p:nvSpPr>
-            <p:cNvPr id="5" name="TextBox 4">
-              <a:extLst>
-                <a:ext uri="{FF2B5EF4-FFF2-40B4-BE49-F238E27FC236}">
-                  <a16:creationId xmlns:a16="http://schemas.microsoft.com/office/drawing/2014/main" id="{D89FA35B-6D3D-4845-AA3B-760EBD751C25}"/>
-                </a:ext>
-              </a:extLst>
-            </p:cNvPr>
-            <p:cNvSpPr txBox="1"/>
-            <p:nvPr/>
-          </p:nvSpPr>
-          <p:spPr>
-            <a:xfrm>
-              <a:off x="2553695" y="1500293"/>
-              <a:ext cx="3514165" cy="1200329"/>
-            </a:xfrm>
-            <a:prstGeom prst="rect">
-              <a:avLst/>
-            </a:prstGeom>
-            <a:solidFill>
-              <a:schemeClr val="accent5">
-                <a:lumMod val="20000"/>
-                <a:lumOff val="80000"/>
-              </a:schemeClr>
-            </a:solidFill>
-          </p:spPr>
-          <p:txBody>
-            <a:bodyPr wrap="square" rtlCol="0">
-              <a:spAutoFit/>
-            </a:bodyPr>
-            <a:lstStyle/>
-            <a:p>
-              <a:pPr algn="ctr"/>
-              <a:r>
-                <a:rPr lang="en-US" altLang="ko-KR" dirty="0"/>
-                <a:t>151202,151203 </a:t>
-              </a:r>
-              <a:r>
-                <a:rPr lang="ko-KR" altLang="en-US" dirty="0"/>
-                <a:t>순이 아니라</a:t>
-              </a:r>
-              <a:endParaRPr lang="en-US" altLang="ko-KR" dirty="0"/>
-            </a:p>
-            <a:p>
-              <a:pPr algn="ctr"/>
-              <a:r>
-                <a:rPr lang="en-US" altLang="ko-KR" dirty="0"/>
-                <a:t>151203,151202 </a:t>
-              </a:r>
-              <a:r>
-                <a:rPr lang="ko-KR" altLang="en-US" dirty="0"/>
-                <a:t>순이라 가정하고 작성된 코드</a:t>
-              </a:r>
-              <a:endParaRPr lang="en-US" altLang="ko-KR" dirty="0"/>
-            </a:p>
-            <a:p>
-              <a:pPr algn="ctr"/>
-              <a:r>
-                <a:rPr lang="en-US" altLang="ko-KR" dirty="0"/>
-                <a:t>=&gt; </a:t>
-              </a:r>
-              <a:r>
-                <a:rPr lang="ko-KR" altLang="en-US" dirty="0"/>
-                <a:t>그래프 출력 전에 순서 변경</a:t>
-              </a:r>
-            </a:p>
-          </p:txBody>
-        </p:sp>
-        <p:sp>
-          <p:nvSpPr>
-            <p:cNvPr id="15" name="직사각형 14">
-              <a:extLst>
-                <a:ext uri="{FF2B5EF4-FFF2-40B4-BE49-F238E27FC236}">
-                  <a16:creationId xmlns:a16="http://schemas.microsoft.com/office/drawing/2014/main" id="{472889DA-353C-478C-ADEB-628C3597BB21}"/>
-                </a:ext>
-              </a:extLst>
-            </p:cNvPr>
-            <p:cNvSpPr/>
-            <p:nvPr/>
-          </p:nvSpPr>
-          <p:spPr>
-            <a:xfrm>
-              <a:off x="2556876" y="3240741"/>
-              <a:ext cx="498604" cy="188259"/>
-            </a:xfrm>
-            <a:prstGeom prst="rect">
-              <a:avLst/>
-            </a:prstGeom>
-            <a:noFill/>
-            <a:ln w="57150">
-              <a:solidFill>
-                <a:srgbClr val="C00000"/>
-              </a:solidFill>
-            </a:ln>
-          </p:spPr>
-          <p:style>
-            <a:lnRef idx="2">
-              <a:schemeClr val="accent1">
-                <a:shade val="50000"/>
-              </a:schemeClr>
-            </a:lnRef>
-            <a:fillRef idx="1">
-              <a:schemeClr val="accent1"/>
-            </a:fillRef>
-            <a:effectRef idx="0">
-              <a:schemeClr val="accent1"/>
-            </a:effectRef>
-            <a:fontRef idx="minor">
-              <a:schemeClr val="lt1"/>
-            </a:fontRef>
-          </p:style>
-          <p:txBody>
-            <a:bodyPr rtlCol="0" anchor="ctr"/>
-            <a:lstStyle/>
-            <a:p>
-              <a:pPr algn="ctr"/>
-              <a:endParaRPr lang="ko-KR" altLang="en-US"/>
-            </a:p>
-          </p:txBody>
-        </p:sp>
-        <p:sp>
-          <p:nvSpPr>
-            <p:cNvPr id="16" name="직사각형 15">
-              <a:extLst>
-                <a:ext uri="{FF2B5EF4-FFF2-40B4-BE49-F238E27FC236}">
-                  <a16:creationId xmlns:a16="http://schemas.microsoft.com/office/drawing/2014/main" id="{2A663569-6223-460D-B392-61D272B774A1}"/>
-                </a:ext>
-              </a:extLst>
-            </p:cNvPr>
-            <p:cNvSpPr/>
-            <p:nvPr/>
-          </p:nvSpPr>
-          <p:spPr>
-            <a:xfrm>
-              <a:off x="3125303" y="3424004"/>
-              <a:ext cx="498604" cy="188259"/>
-            </a:xfrm>
-            <a:prstGeom prst="rect">
-              <a:avLst/>
-            </a:prstGeom>
-            <a:noFill/>
-            <a:ln w="57150">
-              <a:solidFill>
-                <a:srgbClr val="C00000"/>
-              </a:solidFill>
-            </a:ln>
-          </p:spPr>
-          <p:style>
-            <a:lnRef idx="2">
-              <a:schemeClr val="accent1">
-                <a:shade val="50000"/>
-              </a:schemeClr>
-            </a:lnRef>
-            <a:fillRef idx="1">
-              <a:schemeClr val="accent1"/>
-            </a:fillRef>
-            <a:effectRef idx="0">
-              <a:schemeClr val="accent1"/>
-            </a:effectRef>
-            <a:fontRef idx="minor">
-              <a:schemeClr val="lt1"/>
-            </a:fontRef>
-          </p:style>
-          <p:txBody>
-            <a:bodyPr rtlCol="0" anchor="ctr"/>
-            <a:lstStyle/>
-            <a:p>
-              <a:pPr algn="ctr"/>
-              <a:endParaRPr lang="ko-KR" altLang="en-US"/>
-            </a:p>
-          </p:txBody>
-        </p:sp>
-        <p:pic>
-          <p:nvPicPr>
-            <p:cNvPr id="19" name="그림 18">
-              <a:extLst>
-                <a:ext uri="{FF2B5EF4-FFF2-40B4-BE49-F238E27FC236}">
-                  <a16:creationId xmlns:a16="http://schemas.microsoft.com/office/drawing/2014/main" id="{5A8B7DE5-58F9-4550-B66E-5D346B857920}"/>
-                </a:ext>
-              </a:extLst>
-            </p:cNvPr>
-            <p:cNvPicPr>
-              <a:picLocks noChangeAspect="1"/>
-            </p:cNvPicPr>
-            <p:nvPr/>
-          </p:nvPicPr>
-          <p:blipFill rotWithShape="1">
-            <a:blip r:embed="rId4"/>
-            <a:srcRect r="72075" b="33867"/>
-            <a:stretch/>
-          </p:blipFill>
-          <p:spPr>
-            <a:xfrm>
-              <a:off x="392003" y="1165870"/>
-              <a:ext cx="1852830" cy="1549246"/>
-            </a:xfrm>
-            <a:prstGeom prst="rect">
-              <a:avLst/>
-            </a:prstGeom>
-          </p:spPr>
-        </p:pic>
-      </p:grpSp>
-      <p:sp>
-        <p:nvSpPr>
-          <p:cNvPr id="8" name="TextBox 7">
-            <a:extLst>
-              <a:ext uri="{FF2B5EF4-FFF2-40B4-BE49-F238E27FC236}">
-                <a16:creationId xmlns:a16="http://schemas.microsoft.com/office/drawing/2014/main" id="{9A2EE849-BC8C-4ACC-894D-D7857A7B4216}"/>
-              </a:ext>
-            </a:extLst>
-          </p:cNvPr>
-          <p:cNvSpPr txBox="1"/>
-          <p:nvPr/>
-        </p:nvSpPr>
-        <p:spPr>
-          <a:xfrm>
-            <a:off x="842053" y="5889185"/>
-            <a:ext cx="5100918" cy="369332"/>
+            <a:off x="2044665" y="2109094"/>
+            <a:ext cx="1978959" cy="646331"/>
           </a:xfrm>
           <a:prstGeom prst="rect">
             <a:avLst/>
@@ -10471,100 +10162,231 @@
           <a:p>
             <a:pPr algn="ctr"/>
             <a:r>
+              <a:rPr lang="ko-KR" altLang="en-US" dirty="0" err="1"/>
+              <a:t>전처리</a:t>
+            </a:r>
+            <a:r>
               <a:rPr lang="ko-KR" altLang="en-US" dirty="0"/>
-              <a:t>미래의 값을 가지고 과거의 값을 추측</a:t>
-            </a:r>
+              <a:t> 과정에서 순서 변경</a:t>
+            </a:r>
+            <a:endParaRPr lang="en-US" altLang="ko-KR" dirty="0"/>
+          </a:p>
+        </p:txBody>
+      </p:sp>
+      <p:sp>
+        <p:nvSpPr>
+          <p:cNvPr id="16" name="TextBox 15">
+            <a:extLst>
+              <a:ext uri="{FF2B5EF4-FFF2-40B4-BE49-F238E27FC236}">
+                <a16:creationId xmlns:a16="http://schemas.microsoft.com/office/drawing/2014/main" id="{CB2F1BE8-26C3-4D79-9528-EC08015512B5}"/>
+              </a:ext>
+            </a:extLst>
+          </p:cNvPr>
+          <p:cNvSpPr txBox="1"/>
+          <p:nvPr/>
+        </p:nvSpPr>
+        <p:spPr>
+          <a:xfrm>
+            <a:off x="6253400" y="1268162"/>
+            <a:ext cx="4522662" cy="646331"/>
+          </a:xfrm>
+          <a:prstGeom prst="rect">
+            <a:avLst/>
+          </a:prstGeom>
+          <a:solidFill>
+            <a:schemeClr val="accent5">
+              <a:lumMod val="20000"/>
+              <a:lumOff val="80000"/>
+            </a:schemeClr>
+          </a:solidFill>
+        </p:spPr>
+        <p:txBody>
+          <a:bodyPr wrap="square" rtlCol="0">
+            <a:spAutoFit/>
+          </a:bodyPr>
+          <a:lstStyle/>
+          <a:p>
+            <a:pPr algn="ctr"/>
+            <a:r>
+              <a:rPr lang="en-US" altLang="ko-KR" dirty="0"/>
+              <a:t> </a:t>
+            </a:r>
+            <a:r>
+              <a:rPr lang="ko-KR" altLang="en-US" dirty="0"/>
+              <a:t>파랑 </a:t>
+            </a:r>
+            <a:r>
+              <a:rPr lang="en-US" altLang="ko-KR" dirty="0"/>
+              <a:t>) </a:t>
+            </a:r>
+            <a:r>
+              <a:rPr lang="en-US" altLang="ko-KR" dirty="0" err="1"/>
+              <a:t>y_test</a:t>
+            </a:r>
+            <a:r>
+              <a:rPr lang="en-US" altLang="ko-KR" dirty="0"/>
+              <a:t> : </a:t>
+            </a:r>
+            <a:r>
+              <a:rPr lang="ko-KR" altLang="en-US" dirty="0"/>
+              <a:t>실제 종가</a:t>
+            </a:r>
+            <a:endParaRPr lang="en-US" altLang="ko-KR" dirty="0"/>
+          </a:p>
+          <a:p>
+            <a:pPr algn="ctr"/>
+            <a:r>
+              <a:rPr lang="ko-KR" altLang="en-US" dirty="0"/>
+              <a:t>노랑</a:t>
+            </a:r>
+            <a:r>
+              <a:rPr lang="en-US" altLang="ko-KR" dirty="0"/>
+              <a:t>) </a:t>
+            </a:r>
+            <a:r>
+              <a:rPr lang="en-US" altLang="ko-KR" dirty="0" err="1"/>
+              <a:t>y_predict</a:t>
+            </a:r>
+            <a:r>
+              <a:rPr lang="en-US" altLang="ko-KR" dirty="0"/>
+              <a:t> : model</a:t>
+            </a:r>
+            <a:r>
+              <a:rPr lang="ko-KR" altLang="en-US" dirty="0"/>
+              <a:t>로 예측한 종가</a:t>
+            </a:r>
+            <a:endParaRPr lang="en-US" altLang="ko-KR" dirty="0"/>
+          </a:p>
+        </p:txBody>
+      </p:sp>
+      <p:pic>
+        <p:nvPicPr>
+          <p:cNvPr id="20" name="그림 19">
+            <a:extLst>
+              <a:ext uri="{FF2B5EF4-FFF2-40B4-BE49-F238E27FC236}">
+                <a16:creationId xmlns:a16="http://schemas.microsoft.com/office/drawing/2014/main" id="{7EEF06DF-67F5-4F37-ABBF-1D84D90BEE97}"/>
+              </a:ext>
+            </a:extLst>
+          </p:cNvPr>
+          <p:cNvPicPr>
+            <a:picLocks noChangeAspect="1"/>
+          </p:cNvPicPr>
+          <p:nvPr/>
+        </p:nvPicPr>
+        <p:blipFill>
+          <a:blip r:embed="rId4"/>
+          <a:stretch>
+            <a:fillRect/>
+          </a:stretch>
+        </p:blipFill>
+        <p:spPr>
+          <a:xfrm>
+            <a:off x="5483190" y="2044244"/>
+            <a:ext cx="5968044" cy="3832420"/>
+          </a:xfrm>
+          <a:prstGeom prst="rect">
+            <a:avLst/>
+          </a:prstGeom>
+          <a:ln>
+            <a:solidFill>
+              <a:schemeClr val="tx1"/>
+            </a:solidFill>
+          </a:ln>
+        </p:spPr>
+      </p:pic>
+      <p:pic>
+        <p:nvPicPr>
+          <p:cNvPr id="19" name="그림 18">
+            <a:extLst>
+              <a:ext uri="{FF2B5EF4-FFF2-40B4-BE49-F238E27FC236}">
+                <a16:creationId xmlns:a16="http://schemas.microsoft.com/office/drawing/2014/main" id="{625BEEB6-7851-45E6-84D7-7240AB8E22DC}"/>
+              </a:ext>
+            </a:extLst>
+          </p:cNvPr>
+          <p:cNvPicPr>
+            <a:picLocks noChangeAspect="1"/>
+          </p:cNvPicPr>
+          <p:nvPr/>
+        </p:nvPicPr>
+        <p:blipFill rotWithShape="1">
+          <a:blip r:embed="rId3"/>
+          <a:srcRect t="47772"/>
+          <a:stretch/>
+        </p:blipFill>
+        <p:spPr>
+          <a:xfrm>
+            <a:off x="103094" y="4614413"/>
+            <a:ext cx="3438525" cy="1243683"/>
+          </a:xfrm>
+          <a:prstGeom prst="rect">
+            <a:avLst/>
+          </a:prstGeom>
+        </p:spPr>
+      </p:pic>
+      <p:sp>
+        <p:nvSpPr>
+          <p:cNvPr id="4" name="직사각형 3">
+            <a:extLst>
+              <a:ext uri="{FF2B5EF4-FFF2-40B4-BE49-F238E27FC236}">
+                <a16:creationId xmlns:a16="http://schemas.microsoft.com/office/drawing/2014/main" id="{FDBB6CE0-90A9-4C8E-B8AB-08768913CAD0}"/>
+              </a:ext>
+            </a:extLst>
+          </p:cNvPr>
+          <p:cNvSpPr/>
+          <p:nvPr/>
+        </p:nvSpPr>
+        <p:spPr>
+          <a:xfrm>
+            <a:off x="103094" y="5876664"/>
+            <a:ext cx="3438525" cy="749979"/>
+          </a:xfrm>
+          <a:prstGeom prst="rect">
+            <a:avLst/>
+          </a:prstGeom>
+          <a:solidFill>
+            <a:schemeClr val="bg1"/>
+          </a:solidFill>
+          <a:ln>
+            <a:solidFill>
+              <a:schemeClr val="bg1"/>
+            </a:solidFill>
+          </a:ln>
+        </p:spPr>
+        <p:style>
+          <a:lnRef idx="2">
+            <a:schemeClr val="accent1">
+              <a:shade val="50000"/>
+            </a:schemeClr>
+          </a:lnRef>
+          <a:fillRef idx="1">
+            <a:schemeClr val="accent1"/>
+          </a:fillRef>
+          <a:effectRef idx="0">
+            <a:schemeClr val="accent1"/>
+          </a:effectRef>
+          <a:fontRef idx="minor">
+            <a:schemeClr val="lt1"/>
+          </a:fontRef>
+        </p:style>
+        <p:txBody>
+          <a:bodyPr rtlCol="0" anchor="ctr"/>
+          <a:lstStyle/>
+          <a:p>
+            <a:pPr algn="ctr"/>
+            <a:endParaRPr lang="ko-KR" altLang="en-US"/>
           </a:p>
         </p:txBody>
       </p:sp>
     </p:spTree>
     <p:extLst>
       <p:ext uri="{BB962C8B-B14F-4D97-AF65-F5344CB8AC3E}">
-        <p14:creationId xmlns:p14="http://schemas.microsoft.com/office/powerpoint/2010/main" val="3608697736"/>
+        <p14:creationId xmlns:p14="http://schemas.microsoft.com/office/powerpoint/2010/main" val="2959944536"/>
       </p:ext>
     </p:extLst>
   </p:cSld>
   <p:clrMapOvr>
     <a:masterClrMapping/>
   </p:clrMapOvr>
-  <p:timing>
-    <p:tnLst>
-      <p:par>
-        <p:cTn id="1" dur="indefinite" restart="never" nodeType="tmRoot">
-          <p:childTnLst>
-            <p:seq concurrent="1" nextAc="seek">
-              <p:cTn id="2" dur="indefinite" nodeType="mainSeq">
-                <p:childTnLst>
-                  <p:par>
-                    <p:cTn id="3" fill="hold">
-                      <p:stCondLst>
-                        <p:cond delay="indefinite"/>
-                      </p:stCondLst>
-                      <p:childTnLst>
-                        <p:par>
-                          <p:cTn id="4" fill="hold">
-                            <p:stCondLst>
-                              <p:cond delay="0"/>
-                            </p:stCondLst>
-                            <p:childTnLst>
-                              <p:par>
-                                <p:cTn id="5" presetID="1" presetClass="entr" presetSubtype="0" fill="hold" grpId="0" nodeType="clickEffect">
-                                  <p:stCondLst>
-                                    <p:cond delay="0"/>
-                                  </p:stCondLst>
-                                  <p:childTnLst>
-                                    <p:set>
-                                      <p:cBhvr>
-                                        <p:cTn id="6" dur="1" fill="hold">
-                                          <p:stCondLst>
-                                            <p:cond delay="0"/>
-                                          </p:stCondLst>
-                                        </p:cTn>
-                                        <p:tgtEl>
-                                          <p:spTgt spid="8"/>
-                                        </p:tgtEl>
-                                        <p:attrNameLst>
-                                          <p:attrName>style.visibility</p:attrName>
-                                        </p:attrNameLst>
-                                      </p:cBhvr>
-                                      <p:to>
-                                        <p:strVal val="visible"/>
-                                      </p:to>
-                                    </p:set>
-                                  </p:childTnLst>
-                                </p:cTn>
-                              </p:par>
-                            </p:childTnLst>
-                          </p:cTn>
-                        </p:par>
-                      </p:childTnLst>
-                    </p:cTn>
-                  </p:par>
-                </p:childTnLst>
-              </p:cTn>
-              <p:prevCondLst>
-                <p:cond evt="onPrev" delay="0">
-                  <p:tgtEl>
-                    <p:sldTgt/>
-                  </p:tgtEl>
-                </p:cond>
-              </p:prevCondLst>
-              <p:nextCondLst>
-                <p:cond evt="onNext" delay="0">
-                  <p:tgtEl>
-                    <p:sldTgt/>
-                  </p:tgtEl>
-                </p:cond>
-              </p:nextCondLst>
-            </p:seq>
-          </p:childTnLst>
-        </p:cTn>
-      </p:par>
-    </p:tnLst>
-    <p:bldLst>
-      <p:bldP spid="8" grpId="0" animBg="1"/>
-    </p:bldLst>
-  </p:timing>
 </p:sld>
 </file>
 
